--- a/proposal/Proj_Report.pptx
+++ b/proposal/Proj_Report.pptx
@@ -12,9 +12,9 @@
     <p:sldId id="268" r:id="rId6"/>
     <p:sldId id="267" r:id="rId7"/>
     <p:sldId id="269" r:id="rId8"/>
-    <p:sldId id="270" r:id="rId9"/>
-    <p:sldId id="259" r:id="rId10"/>
-    <p:sldId id="261" r:id="rId11"/>
+    <p:sldId id="259" r:id="rId9"/>
+    <p:sldId id="261" r:id="rId10"/>
+    <p:sldId id="270" r:id="rId11"/>
     <p:sldId id="272" r:id="rId12"/>
     <p:sldId id="256" r:id="rId13"/>
     <p:sldId id="263" r:id="rId14"/>
@@ -287,7 +287,7 @@
           <a:p>
             <a:fld id="{A8CC2338-B09B-487F-A21E-4ACC01EF60DF}" type="datetimeFigureOut">
               <a:rPr lang="zh-TW" altLang="en-US" smtClean="0"/>
-              <a:t>2020/6/1</a:t>
+              <a:t>2020/6/3</a:t>
             </a:fld>
             <a:endParaRPr lang="zh-TW" altLang="en-US"/>
           </a:p>
@@ -485,7 +485,7 @@
           <a:p>
             <a:fld id="{A8CC2338-B09B-487F-A21E-4ACC01EF60DF}" type="datetimeFigureOut">
               <a:rPr lang="zh-TW" altLang="en-US" smtClean="0"/>
-              <a:t>2020/6/1</a:t>
+              <a:t>2020/6/3</a:t>
             </a:fld>
             <a:endParaRPr lang="zh-TW" altLang="en-US"/>
           </a:p>
@@ -693,7 +693,7 @@
           <a:p>
             <a:fld id="{A8CC2338-B09B-487F-A21E-4ACC01EF60DF}" type="datetimeFigureOut">
               <a:rPr lang="zh-TW" altLang="en-US" smtClean="0"/>
-              <a:t>2020/6/1</a:t>
+              <a:t>2020/6/3</a:t>
             </a:fld>
             <a:endParaRPr lang="zh-TW" altLang="en-US"/>
           </a:p>
@@ -891,7 +891,7 @@
           <a:p>
             <a:fld id="{A8CC2338-B09B-487F-A21E-4ACC01EF60DF}" type="datetimeFigureOut">
               <a:rPr lang="zh-TW" altLang="en-US" smtClean="0"/>
-              <a:t>2020/6/1</a:t>
+              <a:t>2020/6/3</a:t>
             </a:fld>
             <a:endParaRPr lang="zh-TW" altLang="en-US"/>
           </a:p>
@@ -1166,7 +1166,7 @@
           <a:p>
             <a:fld id="{A8CC2338-B09B-487F-A21E-4ACC01EF60DF}" type="datetimeFigureOut">
               <a:rPr lang="zh-TW" altLang="en-US" smtClean="0"/>
-              <a:t>2020/6/1</a:t>
+              <a:t>2020/6/3</a:t>
             </a:fld>
             <a:endParaRPr lang="zh-TW" altLang="en-US"/>
           </a:p>
@@ -1431,7 +1431,7 @@
           <a:p>
             <a:fld id="{A8CC2338-B09B-487F-A21E-4ACC01EF60DF}" type="datetimeFigureOut">
               <a:rPr lang="zh-TW" altLang="en-US" smtClean="0"/>
-              <a:t>2020/6/1</a:t>
+              <a:t>2020/6/3</a:t>
             </a:fld>
             <a:endParaRPr lang="zh-TW" altLang="en-US"/>
           </a:p>
@@ -1843,7 +1843,7 @@
           <a:p>
             <a:fld id="{A8CC2338-B09B-487F-A21E-4ACC01EF60DF}" type="datetimeFigureOut">
               <a:rPr lang="zh-TW" altLang="en-US" smtClean="0"/>
-              <a:t>2020/6/1</a:t>
+              <a:t>2020/6/3</a:t>
             </a:fld>
             <a:endParaRPr lang="zh-TW" altLang="en-US"/>
           </a:p>
@@ -1984,7 +1984,7 @@
           <a:p>
             <a:fld id="{A8CC2338-B09B-487F-A21E-4ACC01EF60DF}" type="datetimeFigureOut">
               <a:rPr lang="zh-TW" altLang="en-US" smtClean="0"/>
-              <a:t>2020/6/1</a:t>
+              <a:t>2020/6/3</a:t>
             </a:fld>
             <a:endParaRPr lang="zh-TW" altLang="en-US"/>
           </a:p>
@@ -2097,7 +2097,7 @@
           <a:p>
             <a:fld id="{A8CC2338-B09B-487F-A21E-4ACC01EF60DF}" type="datetimeFigureOut">
               <a:rPr lang="zh-TW" altLang="en-US" smtClean="0"/>
-              <a:t>2020/6/1</a:t>
+              <a:t>2020/6/3</a:t>
             </a:fld>
             <a:endParaRPr lang="zh-TW" altLang="en-US"/>
           </a:p>
@@ -2408,7 +2408,7 @@
           <a:p>
             <a:fld id="{A8CC2338-B09B-487F-A21E-4ACC01EF60DF}" type="datetimeFigureOut">
               <a:rPr lang="zh-TW" altLang="en-US" smtClean="0"/>
-              <a:t>2020/6/1</a:t>
+              <a:t>2020/6/3</a:t>
             </a:fld>
             <a:endParaRPr lang="zh-TW" altLang="en-US"/>
           </a:p>
@@ -2696,7 +2696,7 @@
           <a:p>
             <a:fld id="{A8CC2338-B09B-487F-A21E-4ACC01EF60DF}" type="datetimeFigureOut">
               <a:rPr lang="zh-TW" altLang="en-US" smtClean="0"/>
-              <a:t>2020/6/1</a:t>
+              <a:t>2020/6/3</a:t>
             </a:fld>
             <a:endParaRPr lang="zh-TW" altLang="en-US"/>
           </a:p>
@@ -2937,7 +2937,7 @@
           <a:p>
             <a:fld id="{A8CC2338-B09B-487F-A21E-4ACC01EF60DF}" type="datetimeFigureOut">
               <a:rPr lang="zh-TW" altLang="en-US" smtClean="0"/>
-              <a:t>2020/6/1</a:t>
+              <a:t>2020/6/3</a:t>
             </a:fld>
             <a:endParaRPr lang="zh-TW" altLang="en-US"/>
           </a:p>
@@ -3505,10 +3505,201 @@
       </p:grpSpPr>
       <p:sp>
         <p:nvSpPr>
-          <p:cNvPr id="12" name="文字方塊 11">
-            <a:extLst>
-              <a:ext uri="{FF2B5EF4-FFF2-40B4-BE49-F238E27FC236}">
-                <a16:creationId xmlns:a16="http://schemas.microsoft.com/office/drawing/2014/main" id="{B2B5ABB0-4AAA-4B34-B606-E845E5997ADD}"/>
+          <p:cNvPr id="2" name="標題 1">
+            <a:extLst>
+              <a:ext uri="{FF2B5EF4-FFF2-40B4-BE49-F238E27FC236}">
+                <a16:creationId xmlns:a16="http://schemas.microsoft.com/office/drawing/2014/main" id="{F03B52BC-92A5-45E7-B912-F072B5683D8A}"/>
+              </a:ext>
+            </a:extLst>
+          </p:cNvPr>
+          <p:cNvSpPr>
+            <a:spLocks noGrp="1"/>
+          </p:cNvSpPr>
+          <p:nvPr>
+            <p:ph type="title"/>
+          </p:nvPr>
+        </p:nvSpPr>
+        <p:spPr/>
+        <p:txBody>
+          <a:bodyPr/>
+          <a:lstStyle/>
+          <a:p>
+            <a:r>
+              <a:rPr lang="en-US" altLang="zh-TW" dirty="0"/>
+              <a:t>Interface</a:t>
+            </a:r>
+          </a:p>
+        </p:txBody>
+      </p:sp>
+      <p:pic>
+        <p:nvPicPr>
+          <p:cNvPr id="2049" name="圖片 2">
+            <a:extLst>
+              <a:ext uri="{FF2B5EF4-FFF2-40B4-BE49-F238E27FC236}">
+                <a16:creationId xmlns:a16="http://schemas.microsoft.com/office/drawing/2014/main" id="{693E88B1-9C99-4616-ADE9-5842E867768F}"/>
+              </a:ext>
+            </a:extLst>
+          </p:cNvPr>
+          <p:cNvPicPr>
+            <a:picLocks noChangeAspect="1" noChangeArrowheads="1"/>
+          </p:cNvPicPr>
+          <p:nvPr/>
+        </p:nvPicPr>
+        <p:blipFill>
+          <a:blip r:embed="rId2">
+            <a:extLst>
+              <a:ext uri="{28A0092B-C50C-407E-A947-70E740481C1C}">
+                <a14:useLocalDpi xmlns:a14="http://schemas.microsoft.com/office/drawing/2010/main" val="0"/>
+              </a:ext>
+            </a:extLst>
+          </a:blip>
+          <a:srcRect/>
+          <a:stretch>
+            <a:fillRect/>
+          </a:stretch>
+        </p:blipFill>
+        <p:spPr bwMode="auto">
+          <a:xfrm>
+            <a:off x="838200" y="1690688"/>
+            <a:ext cx="8334619" cy="1435100"/>
+          </a:xfrm>
+          <a:prstGeom prst="rect">
+            <a:avLst/>
+          </a:prstGeom>
+          <a:noFill/>
+          <a:extLst>
+            <a:ext uri="{909E8E84-426E-40DD-AFC4-6F175D3DCCD1}">
+              <a14:hiddenFill xmlns:a14="http://schemas.microsoft.com/office/drawing/2010/main">
+                <a:solidFill>
+                  <a:srgbClr val="FFFFFF"/>
+                </a:solidFill>
+              </a14:hiddenFill>
+            </a:ext>
+          </a:extLst>
+        </p:spPr>
+      </p:pic>
+      <p:pic>
+        <p:nvPicPr>
+          <p:cNvPr id="2050" name="圖片 1">
+            <a:extLst>
+              <a:ext uri="{FF2B5EF4-FFF2-40B4-BE49-F238E27FC236}">
+                <a16:creationId xmlns:a16="http://schemas.microsoft.com/office/drawing/2014/main" id="{8F6339A5-32BC-4A6C-922F-1529B5C76803}"/>
+              </a:ext>
+            </a:extLst>
+          </p:cNvPr>
+          <p:cNvPicPr>
+            <a:picLocks noChangeAspect="1" noChangeArrowheads="1"/>
+          </p:cNvPicPr>
+          <p:nvPr/>
+        </p:nvPicPr>
+        <p:blipFill>
+          <a:blip r:embed="rId3">
+            <a:extLst>
+              <a:ext uri="{28A0092B-C50C-407E-A947-70E740481C1C}">
+                <a14:useLocalDpi xmlns:a14="http://schemas.microsoft.com/office/drawing/2010/main" val="0"/>
+              </a:ext>
+            </a:extLst>
+          </a:blip>
+          <a:srcRect/>
+          <a:stretch>
+            <a:fillRect/>
+          </a:stretch>
+        </p:blipFill>
+        <p:spPr bwMode="auto">
+          <a:xfrm>
+            <a:off x="820736" y="3433762"/>
+            <a:ext cx="10087619" cy="2745095"/>
+          </a:xfrm>
+          <a:prstGeom prst="rect">
+            <a:avLst/>
+          </a:prstGeom>
+          <a:noFill/>
+          <a:extLst>
+            <a:ext uri="{909E8E84-426E-40DD-AFC4-6F175D3DCCD1}">
+              <a14:hiddenFill xmlns:a14="http://schemas.microsoft.com/office/drawing/2010/main">
+                <a:solidFill>
+                  <a:srgbClr val="FFFFFF"/>
+                </a:solidFill>
+              </a14:hiddenFill>
+            </a:ext>
+          </a:extLst>
+        </p:spPr>
+      </p:pic>
+      <p:sp>
+        <p:nvSpPr>
+          <p:cNvPr id="6" name="Rectangle 3">
+            <a:extLst>
+              <a:ext uri="{FF2B5EF4-FFF2-40B4-BE49-F238E27FC236}">
+                <a16:creationId xmlns:a16="http://schemas.microsoft.com/office/drawing/2014/main" id="{1BA47881-50E2-4447-BCA4-088073A99E0B}"/>
+              </a:ext>
+            </a:extLst>
+          </p:cNvPr>
+          <p:cNvSpPr>
+            <a:spLocks noChangeArrowheads="1"/>
+          </p:cNvSpPr>
+          <p:nvPr/>
+        </p:nvSpPr>
+        <p:spPr bwMode="auto">
+          <a:xfrm>
+            <a:off x="822325" y="1690688"/>
+            <a:ext cx="12192000" cy="457200"/>
+          </a:xfrm>
+          <a:prstGeom prst="rect">
+            <a:avLst/>
+          </a:prstGeom>
+          <a:noFill/>
+          <a:ln>
+            <a:noFill/>
+          </a:ln>
+          <a:effectLst/>
+          <a:extLst>
+            <a:ext uri="{909E8E84-426E-40DD-AFC4-6F175D3DCCD1}">
+              <a14:hiddenFill xmlns:a14="http://schemas.microsoft.com/office/drawing/2010/main">
+                <a:solidFill>
+                  <a:schemeClr val="accent1"/>
+                </a:solidFill>
+              </a14:hiddenFill>
+            </a:ext>
+            <a:ext uri="{91240B29-F687-4F45-9708-019B960494DF}">
+              <a14:hiddenLine xmlns:a14="http://schemas.microsoft.com/office/drawing/2010/main" w="9525">
+                <a:solidFill>
+                  <a:schemeClr val="tx1"/>
+                </a:solidFill>
+                <a:miter lim="800000"/>
+                <a:headEnd/>
+                <a:tailEnd/>
+              </a14:hiddenLine>
+            </a:ext>
+            <a:ext uri="{AF507438-7753-43E0-B8FC-AC1667EBCBE1}">
+              <a14:hiddenEffects xmlns:a14="http://schemas.microsoft.com/office/drawing/2010/main">
+                <a:effectLst>
+                  <a:outerShdw dist="35921" dir="2700000" algn="ctr" rotWithShape="0">
+                    <a:schemeClr val="bg2"/>
+                  </a:outerShdw>
+                </a:effectLst>
+              </a14:hiddenEffects>
+            </a:ext>
+          </a:extLst>
+        </p:spPr>
+        <p:txBody>
+          <a:bodyPr vert="horz" wrap="none" lIns="91440" tIns="45720" rIns="91440" bIns="45720" numCol="1" anchor="ctr" anchorCtr="0" compatLnSpc="1">
+            <a:prstTxWarp prst="textNoShape">
+              <a:avLst/>
+            </a:prstTxWarp>
+            <a:spAutoFit/>
+          </a:bodyPr>
+          <a:lstStyle/>
+          <a:p>
+            <a:endParaRPr lang="zh-TW" altLang="en-US"/>
+          </a:p>
+        </p:txBody>
+      </p:sp>
+      <p:sp>
+        <p:nvSpPr>
+          <p:cNvPr id="8" name="文字方塊 7">
+            <a:extLst>
+              <a:ext uri="{FF2B5EF4-FFF2-40B4-BE49-F238E27FC236}">
+                <a16:creationId xmlns:a16="http://schemas.microsoft.com/office/drawing/2014/main" id="{BE137611-F238-4799-9AB9-82D00DD1D4E3}"/>
               </a:ext>
             </a:extLst>
           </p:cNvPr>
@@ -3516,9 +3707,9 @@
           <p:nvPr/>
         </p:nvSpPr>
         <p:spPr>
-          <a:xfrm flipH="1">
-            <a:off x="4301241" y="5798911"/>
-            <a:ext cx="3589518" cy="553998"/>
+          <a:xfrm>
+            <a:off x="1283645" y="3028091"/>
+            <a:ext cx="9263027" cy="646331"/>
           </a:xfrm>
           <a:prstGeom prst="rect">
             <a:avLst/>
@@ -3531,51 +3722,47 @@
           </a:bodyPr>
           <a:lstStyle/>
           <a:p>
-            <a:pPr algn="ctr"/>
-            <a:r>
-              <a:rPr lang="zh-TW" altLang="en-US" sz="3000" dirty="0">
+            <a:r>
+              <a:rPr lang="en-US" altLang="zh-TW" b="1" dirty="0">
                 <a:latin typeface="微軟正黑體" panose="020B0604030504040204" pitchFamily="34" charset="-120"/>
                 <a:ea typeface="微軟正黑體" panose="020B0604030504040204" pitchFamily="34" charset="-120"/>
               </a:rPr>
-              <a:t>條件搜尋</a:t>
-            </a:r>
-          </a:p>
-        </p:txBody>
-      </p:sp>
-      <p:pic>
-        <p:nvPicPr>
-          <p:cNvPr id="7" name="圖片 6">
-            <a:extLst>
-              <a:ext uri="{FF2B5EF4-FFF2-40B4-BE49-F238E27FC236}">
-                <a16:creationId xmlns:a16="http://schemas.microsoft.com/office/drawing/2014/main" id="{FDDC2624-8BEF-4EB8-8FE4-46AE511CA331}"/>
-              </a:ext>
-            </a:extLst>
-          </p:cNvPr>
-          <p:cNvPicPr>
-            <a:picLocks noChangeAspect="1"/>
-          </p:cNvPicPr>
-          <p:nvPr/>
-        </p:nvPicPr>
-        <p:blipFill>
-          <a:blip r:embed="rId2"/>
-          <a:stretch>
-            <a:fillRect/>
-          </a:stretch>
-        </p:blipFill>
-        <p:spPr>
-          <a:xfrm>
-            <a:off x="0" y="924295"/>
-            <a:ext cx="12192000" cy="4476750"/>
-          </a:xfrm>
-          <a:prstGeom prst="rect">
-            <a:avLst/>
-          </a:prstGeom>
-        </p:spPr>
-      </p:pic>
+              <a:t>▲</a:t>
+            </a:r>
+            <a:r>
+              <a:rPr lang="zh-TW" altLang="zh-TW" b="1" dirty="0">
+                <a:latin typeface="微軟正黑體" panose="020B0604030504040204" pitchFamily="34" charset="-120"/>
+                <a:ea typeface="微軟正黑體" panose="020B0604030504040204" pitchFamily="34" charset="-120"/>
+              </a:rPr>
+              <a:t>簡易搜尋示意</a:t>
+            </a:r>
+            <a:r>
+              <a:rPr lang="en-US" altLang="zh-TW" b="1" dirty="0">
+                <a:latin typeface="微軟正黑體" panose="020B0604030504040204" pitchFamily="34" charset="-120"/>
+                <a:ea typeface="微軟正黑體" panose="020B0604030504040204" pitchFamily="34" charset="-120"/>
+              </a:rPr>
+              <a:t>				▼</a:t>
+            </a:r>
+            <a:r>
+              <a:rPr lang="zh-TW" altLang="zh-TW" b="1" dirty="0">
+                <a:latin typeface="微軟正黑體" panose="020B0604030504040204" pitchFamily="34" charset="-120"/>
+                <a:ea typeface="微軟正黑體" panose="020B0604030504040204" pitchFamily="34" charset="-120"/>
+              </a:rPr>
+              <a:t>進階篩選示意</a:t>
+            </a:r>
+          </a:p>
+          <a:p>
+            <a:endParaRPr lang="zh-TW" altLang="en-US" b="1" dirty="0">
+              <a:latin typeface="微軟正黑體" panose="020B0604030504040204" pitchFamily="34" charset="-120"/>
+              <a:ea typeface="微軟正黑體" panose="020B0604030504040204" pitchFamily="34" charset="-120"/>
+            </a:endParaRPr>
+          </a:p>
+        </p:txBody>
+      </p:sp>
     </p:spTree>
     <p:extLst>
       <p:ext uri="{BB962C8B-B14F-4D97-AF65-F5344CB8AC3E}">
-        <p14:creationId xmlns:p14="http://schemas.microsoft.com/office/powerpoint/2010/main" val="3446027115"/>
+        <p14:creationId xmlns:p14="http://schemas.microsoft.com/office/powerpoint/2010/main" val="767841868"/>
       </p:ext>
     </p:extLst>
   </p:cSld>
@@ -6674,12 +6861,16 @@
           <a:p>
             <a:pPr algn="ctr"/>
             <a:r>
-              <a:rPr lang="en-US" altLang="zh-TW" sz="3000" dirty="0">
+              <a:rPr lang="en-US" altLang="zh-TW" sz="3000">
                 <a:latin typeface="微軟正黑體" panose="020B0604030504040204" pitchFamily="34" charset="-120"/>
                 <a:ea typeface="微軟正黑體" panose="020B0604030504040204" pitchFamily="34" charset="-120"/>
               </a:rPr>
-              <a:t>Ask anything</a:t>
-            </a:r>
+              <a:t>Q&amp;A</a:t>
+            </a:r>
+            <a:endParaRPr lang="en-US" altLang="zh-TW" sz="3000" dirty="0">
+              <a:latin typeface="微軟正黑體" panose="020B0604030504040204" pitchFamily="34" charset="-120"/>
+              <a:ea typeface="微軟正黑體" panose="020B0604030504040204" pitchFamily="34" charset="-120"/>
+            </a:endParaRPr>
           </a:p>
         </p:txBody>
       </p:sp>
@@ -7604,292 +7795,6 @@
           <a:chExt cx="0" cy="0"/>
         </a:xfrm>
       </p:grpSpPr>
-      <p:sp>
-        <p:nvSpPr>
-          <p:cNvPr id="2" name="標題 1">
-            <a:extLst>
-              <a:ext uri="{FF2B5EF4-FFF2-40B4-BE49-F238E27FC236}">
-                <a16:creationId xmlns:a16="http://schemas.microsoft.com/office/drawing/2014/main" id="{F03B52BC-92A5-45E7-B912-F072B5683D8A}"/>
-              </a:ext>
-            </a:extLst>
-          </p:cNvPr>
-          <p:cNvSpPr>
-            <a:spLocks noGrp="1"/>
-          </p:cNvSpPr>
-          <p:nvPr>
-            <p:ph type="title"/>
-          </p:nvPr>
-        </p:nvSpPr>
-        <p:spPr/>
-        <p:txBody>
-          <a:bodyPr/>
-          <a:lstStyle/>
-          <a:p>
-            <a:r>
-              <a:rPr lang="en-US" altLang="zh-TW" dirty="0"/>
-              <a:t>Interface</a:t>
-            </a:r>
-          </a:p>
-        </p:txBody>
-      </p:sp>
-      <p:pic>
-        <p:nvPicPr>
-          <p:cNvPr id="2049" name="圖片 2">
-            <a:extLst>
-              <a:ext uri="{FF2B5EF4-FFF2-40B4-BE49-F238E27FC236}">
-                <a16:creationId xmlns:a16="http://schemas.microsoft.com/office/drawing/2014/main" id="{693E88B1-9C99-4616-ADE9-5842E867768F}"/>
-              </a:ext>
-            </a:extLst>
-          </p:cNvPr>
-          <p:cNvPicPr>
-            <a:picLocks noChangeAspect="1" noChangeArrowheads="1"/>
-          </p:cNvPicPr>
-          <p:nvPr/>
-        </p:nvPicPr>
-        <p:blipFill>
-          <a:blip r:embed="rId2">
-            <a:extLst>
-              <a:ext uri="{28A0092B-C50C-407E-A947-70E740481C1C}">
-                <a14:useLocalDpi xmlns:a14="http://schemas.microsoft.com/office/drawing/2010/main" val="0"/>
-              </a:ext>
-            </a:extLst>
-          </a:blip>
-          <a:srcRect/>
-          <a:stretch>
-            <a:fillRect/>
-          </a:stretch>
-        </p:blipFill>
-        <p:spPr bwMode="auto">
-          <a:xfrm>
-            <a:off x="838200" y="1690688"/>
-            <a:ext cx="8334619" cy="1435100"/>
-          </a:xfrm>
-          <a:prstGeom prst="rect">
-            <a:avLst/>
-          </a:prstGeom>
-          <a:noFill/>
-          <a:extLst>
-            <a:ext uri="{909E8E84-426E-40DD-AFC4-6F175D3DCCD1}">
-              <a14:hiddenFill xmlns:a14="http://schemas.microsoft.com/office/drawing/2010/main">
-                <a:solidFill>
-                  <a:srgbClr val="FFFFFF"/>
-                </a:solidFill>
-              </a14:hiddenFill>
-            </a:ext>
-          </a:extLst>
-        </p:spPr>
-      </p:pic>
-      <p:pic>
-        <p:nvPicPr>
-          <p:cNvPr id="2050" name="圖片 1">
-            <a:extLst>
-              <a:ext uri="{FF2B5EF4-FFF2-40B4-BE49-F238E27FC236}">
-                <a16:creationId xmlns:a16="http://schemas.microsoft.com/office/drawing/2014/main" id="{8F6339A5-32BC-4A6C-922F-1529B5C76803}"/>
-              </a:ext>
-            </a:extLst>
-          </p:cNvPr>
-          <p:cNvPicPr>
-            <a:picLocks noChangeAspect="1" noChangeArrowheads="1"/>
-          </p:cNvPicPr>
-          <p:nvPr/>
-        </p:nvPicPr>
-        <p:blipFill>
-          <a:blip r:embed="rId3">
-            <a:extLst>
-              <a:ext uri="{28A0092B-C50C-407E-A947-70E740481C1C}">
-                <a14:useLocalDpi xmlns:a14="http://schemas.microsoft.com/office/drawing/2010/main" val="0"/>
-              </a:ext>
-            </a:extLst>
-          </a:blip>
-          <a:srcRect/>
-          <a:stretch>
-            <a:fillRect/>
-          </a:stretch>
-        </p:blipFill>
-        <p:spPr bwMode="auto">
-          <a:xfrm>
-            <a:off x="820736" y="3433762"/>
-            <a:ext cx="10087619" cy="2745095"/>
-          </a:xfrm>
-          <a:prstGeom prst="rect">
-            <a:avLst/>
-          </a:prstGeom>
-          <a:noFill/>
-          <a:extLst>
-            <a:ext uri="{909E8E84-426E-40DD-AFC4-6F175D3DCCD1}">
-              <a14:hiddenFill xmlns:a14="http://schemas.microsoft.com/office/drawing/2010/main">
-                <a:solidFill>
-                  <a:srgbClr val="FFFFFF"/>
-                </a:solidFill>
-              </a14:hiddenFill>
-            </a:ext>
-          </a:extLst>
-        </p:spPr>
-      </p:pic>
-      <p:sp>
-        <p:nvSpPr>
-          <p:cNvPr id="6" name="Rectangle 3">
-            <a:extLst>
-              <a:ext uri="{FF2B5EF4-FFF2-40B4-BE49-F238E27FC236}">
-                <a16:creationId xmlns:a16="http://schemas.microsoft.com/office/drawing/2014/main" id="{1BA47881-50E2-4447-BCA4-088073A99E0B}"/>
-              </a:ext>
-            </a:extLst>
-          </p:cNvPr>
-          <p:cNvSpPr>
-            <a:spLocks noChangeArrowheads="1"/>
-          </p:cNvSpPr>
-          <p:nvPr/>
-        </p:nvSpPr>
-        <p:spPr bwMode="auto">
-          <a:xfrm>
-            <a:off x="822325" y="1690688"/>
-            <a:ext cx="12192000" cy="457200"/>
-          </a:xfrm>
-          <a:prstGeom prst="rect">
-            <a:avLst/>
-          </a:prstGeom>
-          <a:noFill/>
-          <a:ln>
-            <a:noFill/>
-          </a:ln>
-          <a:effectLst/>
-          <a:extLst>
-            <a:ext uri="{909E8E84-426E-40DD-AFC4-6F175D3DCCD1}">
-              <a14:hiddenFill xmlns:a14="http://schemas.microsoft.com/office/drawing/2010/main">
-                <a:solidFill>
-                  <a:schemeClr val="accent1"/>
-                </a:solidFill>
-              </a14:hiddenFill>
-            </a:ext>
-            <a:ext uri="{91240B29-F687-4F45-9708-019B960494DF}">
-              <a14:hiddenLine xmlns:a14="http://schemas.microsoft.com/office/drawing/2010/main" w="9525">
-                <a:solidFill>
-                  <a:schemeClr val="tx1"/>
-                </a:solidFill>
-                <a:miter lim="800000"/>
-                <a:headEnd/>
-                <a:tailEnd/>
-              </a14:hiddenLine>
-            </a:ext>
-            <a:ext uri="{AF507438-7753-43E0-B8FC-AC1667EBCBE1}">
-              <a14:hiddenEffects xmlns:a14="http://schemas.microsoft.com/office/drawing/2010/main">
-                <a:effectLst>
-                  <a:outerShdw dist="35921" dir="2700000" algn="ctr" rotWithShape="0">
-                    <a:schemeClr val="bg2"/>
-                  </a:outerShdw>
-                </a:effectLst>
-              </a14:hiddenEffects>
-            </a:ext>
-          </a:extLst>
-        </p:spPr>
-        <p:txBody>
-          <a:bodyPr vert="horz" wrap="none" lIns="91440" tIns="45720" rIns="91440" bIns="45720" numCol="1" anchor="ctr" anchorCtr="0" compatLnSpc="1">
-            <a:prstTxWarp prst="textNoShape">
-              <a:avLst/>
-            </a:prstTxWarp>
-            <a:spAutoFit/>
-          </a:bodyPr>
-          <a:lstStyle/>
-          <a:p>
-            <a:endParaRPr lang="zh-TW" altLang="en-US"/>
-          </a:p>
-        </p:txBody>
-      </p:sp>
-      <p:sp>
-        <p:nvSpPr>
-          <p:cNvPr id="8" name="文字方塊 7">
-            <a:extLst>
-              <a:ext uri="{FF2B5EF4-FFF2-40B4-BE49-F238E27FC236}">
-                <a16:creationId xmlns:a16="http://schemas.microsoft.com/office/drawing/2014/main" id="{BE137611-F238-4799-9AB9-82D00DD1D4E3}"/>
-              </a:ext>
-            </a:extLst>
-          </p:cNvPr>
-          <p:cNvSpPr txBox="1"/>
-          <p:nvPr/>
-        </p:nvSpPr>
-        <p:spPr>
-          <a:xfrm>
-            <a:off x="1283645" y="3028091"/>
-            <a:ext cx="9263027" cy="646331"/>
-          </a:xfrm>
-          <a:prstGeom prst="rect">
-            <a:avLst/>
-          </a:prstGeom>
-          <a:noFill/>
-        </p:spPr>
-        <p:txBody>
-          <a:bodyPr wrap="square" rtlCol="0">
-            <a:spAutoFit/>
-          </a:bodyPr>
-          <a:lstStyle/>
-          <a:p>
-            <a:r>
-              <a:rPr lang="en-US" altLang="zh-TW" b="1" dirty="0">
-                <a:latin typeface="微軟正黑體" panose="020B0604030504040204" pitchFamily="34" charset="-120"/>
-                <a:ea typeface="微軟正黑體" panose="020B0604030504040204" pitchFamily="34" charset="-120"/>
-              </a:rPr>
-              <a:t>▲</a:t>
-            </a:r>
-            <a:r>
-              <a:rPr lang="zh-TW" altLang="zh-TW" b="1" dirty="0">
-                <a:latin typeface="微軟正黑體" panose="020B0604030504040204" pitchFamily="34" charset="-120"/>
-                <a:ea typeface="微軟正黑體" panose="020B0604030504040204" pitchFamily="34" charset="-120"/>
-              </a:rPr>
-              <a:t>簡易搜尋示意</a:t>
-            </a:r>
-            <a:r>
-              <a:rPr lang="en-US" altLang="zh-TW" b="1" dirty="0">
-                <a:latin typeface="微軟正黑體" panose="020B0604030504040204" pitchFamily="34" charset="-120"/>
-                <a:ea typeface="微軟正黑體" panose="020B0604030504040204" pitchFamily="34" charset="-120"/>
-              </a:rPr>
-              <a:t>				▼</a:t>
-            </a:r>
-            <a:r>
-              <a:rPr lang="zh-TW" altLang="zh-TW" b="1" dirty="0">
-                <a:latin typeface="微軟正黑體" panose="020B0604030504040204" pitchFamily="34" charset="-120"/>
-                <a:ea typeface="微軟正黑體" panose="020B0604030504040204" pitchFamily="34" charset="-120"/>
-              </a:rPr>
-              <a:t>進階篩選示意</a:t>
-            </a:r>
-          </a:p>
-          <a:p>
-            <a:endParaRPr lang="zh-TW" altLang="en-US" b="1" dirty="0">
-              <a:latin typeface="微軟正黑體" panose="020B0604030504040204" pitchFamily="34" charset="-120"/>
-              <a:ea typeface="微軟正黑體" panose="020B0604030504040204" pitchFamily="34" charset="-120"/>
-            </a:endParaRPr>
-          </a:p>
-        </p:txBody>
-      </p:sp>
-    </p:spTree>
-    <p:extLst>
-      <p:ext uri="{BB962C8B-B14F-4D97-AF65-F5344CB8AC3E}">
-        <p14:creationId xmlns:p14="http://schemas.microsoft.com/office/powerpoint/2010/main" val="767841868"/>
-      </p:ext>
-    </p:extLst>
-  </p:cSld>
-  <p:clrMapOvr>
-    <a:masterClrMapping/>
-  </p:clrMapOvr>
-</p:sld>
-</file>
-
-<file path=ppt/slides/slide9.xml><?xml version="1.0" encoding="utf-8"?>
-<p:sld xmlns:a="http://schemas.openxmlformats.org/drawingml/2006/main" xmlns:r="http://schemas.openxmlformats.org/officeDocument/2006/relationships" xmlns:p="http://schemas.openxmlformats.org/presentationml/2006/main">
-  <p:cSld>
-    <p:spTree>
-      <p:nvGrpSpPr>
-        <p:cNvPr id="1" name=""/>
-        <p:cNvGrpSpPr/>
-        <p:nvPr/>
-      </p:nvGrpSpPr>
-      <p:grpSpPr>
-        <a:xfrm>
-          <a:off x="0" y="0"/>
-          <a:ext cx="0" cy="0"/>
-          <a:chOff x="0" y="0"/>
-          <a:chExt cx="0" cy="0"/>
-        </a:xfrm>
-      </p:grpSpPr>
       <p:grpSp>
         <p:nvGrpSpPr>
           <p:cNvPr id="6" name="群組 5">
@@ -8119,6 +8024,105 @@
     <p:extLst>
       <p:ext uri="{BB962C8B-B14F-4D97-AF65-F5344CB8AC3E}">
         <p14:creationId xmlns:p14="http://schemas.microsoft.com/office/powerpoint/2010/main" val="1657790338"/>
+      </p:ext>
+    </p:extLst>
+  </p:cSld>
+  <p:clrMapOvr>
+    <a:masterClrMapping/>
+  </p:clrMapOvr>
+</p:sld>
+</file>
+
+<file path=ppt/slides/slide9.xml><?xml version="1.0" encoding="utf-8"?>
+<p:sld xmlns:a="http://schemas.openxmlformats.org/drawingml/2006/main" xmlns:r="http://schemas.openxmlformats.org/officeDocument/2006/relationships" xmlns:p="http://schemas.openxmlformats.org/presentationml/2006/main">
+  <p:cSld>
+    <p:spTree>
+      <p:nvGrpSpPr>
+        <p:cNvPr id="1" name=""/>
+        <p:cNvGrpSpPr/>
+        <p:nvPr/>
+      </p:nvGrpSpPr>
+      <p:grpSpPr>
+        <a:xfrm>
+          <a:off x="0" y="0"/>
+          <a:ext cx="0" cy="0"/>
+          <a:chOff x="0" y="0"/>
+          <a:chExt cx="0" cy="0"/>
+        </a:xfrm>
+      </p:grpSpPr>
+      <p:sp>
+        <p:nvSpPr>
+          <p:cNvPr id="12" name="文字方塊 11">
+            <a:extLst>
+              <a:ext uri="{FF2B5EF4-FFF2-40B4-BE49-F238E27FC236}">
+                <a16:creationId xmlns:a16="http://schemas.microsoft.com/office/drawing/2014/main" id="{B2B5ABB0-4AAA-4B34-B606-E845E5997ADD}"/>
+              </a:ext>
+            </a:extLst>
+          </p:cNvPr>
+          <p:cNvSpPr txBox="1"/>
+          <p:nvPr/>
+        </p:nvSpPr>
+        <p:spPr>
+          <a:xfrm flipH="1">
+            <a:off x="4301241" y="5798911"/>
+            <a:ext cx="3589518" cy="553998"/>
+          </a:xfrm>
+          <a:prstGeom prst="rect">
+            <a:avLst/>
+          </a:prstGeom>
+          <a:noFill/>
+        </p:spPr>
+        <p:txBody>
+          <a:bodyPr wrap="square" rtlCol="0">
+            <a:spAutoFit/>
+          </a:bodyPr>
+          <a:lstStyle/>
+          <a:p>
+            <a:pPr algn="ctr"/>
+            <a:r>
+              <a:rPr lang="zh-TW" altLang="en-US" sz="3000" dirty="0">
+                <a:latin typeface="微軟正黑體" panose="020B0604030504040204" pitchFamily="34" charset="-120"/>
+                <a:ea typeface="微軟正黑體" panose="020B0604030504040204" pitchFamily="34" charset="-120"/>
+              </a:rPr>
+              <a:t>條件搜尋</a:t>
+            </a:r>
+          </a:p>
+        </p:txBody>
+      </p:sp>
+      <p:pic>
+        <p:nvPicPr>
+          <p:cNvPr id="7" name="圖片 6">
+            <a:extLst>
+              <a:ext uri="{FF2B5EF4-FFF2-40B4-BE49-F238E27FC236}">
+                <a16:creationId xmlns:a16="http://schemas.microsoft.com/office/drawing/2014/main" id="{FDDC2624-8BEF-4EB8-8FE4-46AE511CA331}"/>
+              </a:ext>
+            </a:extLst>
+          </p:cNvPr>
+          <p:cNvPicPr>
+            <a:picLocks noChangeAspect="1"/>
+          </p:cNvPicPr>
+          <p:nvPr/>
+        </p:nvPicPr>
+        <p:blipFill>
+          <a:blip r:embed="rId2"/>
+          <a:stretch>
+            <a:fillRect/>
+          </a:stretch>
+        </p:blipFill>
+        <p:spPr>
+          <a:xfrm>
+            <a:off x="0" y="924295"/>
+            <a:ext cx="12192000" cy="4476750"/>
+          </a:xfrm>
+          <a:prstGeom prst="rect">
+            <a:avLst/>
+          </a:prstGeom>
+        </p:spPr>
+      </p:pic>
+    </p:spTree>
+    <p:extLst>
+      <p:ext uri="{BB962C8B-B14F-4D97-AF65-F5344CB8AC3E}">
+        <p14:creationId xmlns:p14="http://schemas.microsoft.com/office/powerpoint/2010/main" val="3446027115"/>
       </p:ext>
     </p:extLst>
   </p:cSld>

--- a/proposal/Proj_Report.pptx
+++ b/proposal/Proj_Report.pptx
@@ -6,22 +6,23 @@
   </p:sldMasterIdLst>
   <p:sldIdLst>
     <p:sldId id="257" r:id="rId2"/>
-    <p:sldId id="265" r:id="rId3"/>
-    <p:sldId id="264" r:id="rId4"/>
-    <p:sldId id="266" r:id="rId5"/>
-    <p:sldId id="268" r:id="rId6"/>
-    <p:sldId id="267" r:id="rId7"/>
-    <p:sldId id="269" r:id="rId8"/>
-    <p:sldId id="259" r:id="rId9"/>
-    <p:sldId id="261" r:id="rId10"/>
-    <p:sldId id="270" r:id="rId11"/>
-    <p:sldId id="272" r:id="rId12"/>
-    <p:sldId id="256" r:id="rId13"/>
-    <p:sldId id="263" r:id="rId14"/>
-    <p:sldId id="258" r:id="rId15"/>
-    <p:sldId id="273" r:id="rId16"/>
-    <p:sldId id="274" r:id="rId17"/>
-    <p:sldId id="275" r:id="rId18"/>
+    <p:sldId id="276" r:id="rId3"/>
+    <p:sldId id="265" r:id="rId4"/>
+    <p:sldId id="264" r:id="rId5"/>
+    <p:sldId id="266" r:id="rId6"/>
+    <p:sldId id="268" r:id="rId7"/>
+    <p:sldId id="267" r:id="rId8"/>
+    <p:sldId id="269" r:id="rId9"/>
+    <p:sldId id="259" r:id="rId10"/>
+    <p:sldId id="261" r:id="rId11"/>
+    <p:sldId id="270" r:id="rId12"/>
+    <p:sldId id="272" r:id="rId13"/>
+    <p:sldId id="256" r:id="rId14"/>
+    <p:sldId id="263" r:id="rId15"/>
+    <p:sldId id="258" r:id="rId16"/>
+    <p:sldId id="273" r:id="rId17"/>
+    <p:sldId id="274" r:id="rId18"/>
+    <p:sldId id="275" r:id="rId19"/>
   </p:sldIdLst>
   <p:sldSz cx="12192000" cy="6858000"/>
   <p:notesSz cx="6858000" cy="9144000"/>
@@ -3369,7 +3370,7 @@
         <p:spPr>
           <a:xfrm flipH="1">
             <a:off x="4069677" y="2244060"/>
-            <a:ext cx="4052646" cy="3293209"/>
+            <a:ext cx="4052646" cy="3754874"/>
           </a:xfrm>
           <a:prstGeom prst="rect">
             <a:avLst/>
@@ -3393,17 +3394,20 @@
           </a:p>
           <a:p>
             <a:pPr algn="ctr"/>
-            <a:r>
-              <a:rPr lang="en-US" altLang="zh-TW" sz="3000" dirty="0" err="1">
-                <a:latin typeface="微軟正黑體" panose="020B0604030504040204" pitchFamily="34" charset="-120"/>
-                <a:ea typeface="微軟正黑體" panose="020B0604030504040204" pitchFamily="34" charset="-120"/>
-              </a:rPr>
-              <a:t>Blablablaa</a:t>
-            </a:r>
             <a:endParaRPr lang="en-US" altLang="zh-TW" sz="3000" dirty="0">
               <a:latin typeface="微軟正黑體" panose="020B0604030504040204" pitchFamily="34" charset="-120"/>
               <a:ea typeface="微軟正黑體" panose="020B0604030504040204" pitchFamily="34" charset="-120"/>
             </a:endParaRPr>
+          </a:p>
+          <a:p>
+            <a:pPr algn="ctr"/>
+            <a:r>
+              <a:rPr lang="en-US" altLang="zh-TW" sz="3000" dirty="0">
+                <a:latin typeface="微軟正黑體" panose="020B0604030504040204" pitchFamily="34" charset="-120"/>
+                <a:ea typeface="微軟正黑體" panose="020B0604030504040204" pitchFamily="34" charset="-120"/>
+              </a:rPr>
+              <a:t>Team 29</a:t>
+            </a:r>
           </a:p>
           <a:p>
             <a:pPr algn="ctr"/>
@@ -3487,6 +3491,105 @@
 </file>
 
 <file path=ppt/slides/slide10.xml><?xml version="1.0" encoding="utf-8"?>
+<p:sld xmlns:a="http://schemas.openxmlformats.org/drawingml/2006/main" xmlns:r="http://schemas.openxmlformats.org/officeDocument/2006/relationships" xmlns:p="http://schemas.openxmlformats.org/presentationml/2006/main">
+  <p:cSld>
+    <p:spTree>
+      <p:nvGrpSpPr>
+        <p:cNvPr id="1" name=""/>
+        <p:cNvGrpSpPr/>
+        <p:nvPr/>
+      </p:nvGrpSpPr>
+      <p:grpSpPr>
+        <a:xfrm>
+          <a:off x="0" y="0"/>
+          <a:ext cx="0" cy="0"/>
+          <a:chOff x="0" y="0"/>
+          <a:chExt cx="0" cy="0"/>
+        </a:xfrm>
+      </p:grpSpPr>
+      <p:sp>
+        <p:nvSpPr>
+          <p:cNvPr id="12" name="文字方塊 11">
+            <a:extLst>
+              <a:ext uri="{FF2B5EF4-FFF2-40B4-BE49-F238E27FC236}">
+                <a16:creationId xmlns:a16="http://schemas.microsoft.com/office/drawing/2014/main" id="{B2B5ABB0-4AAA-4B34-B606-E845E5997ADD}"/>
+              </a:ext>
+            </a:extLst>
+          </p:cNvPr>
+          <p:cNvSpPr txBox="1"/>
+          <p:nvPr/>
+        </p:nvSpPr>
+        <p:spPr>
+          <a:xfrm flipH="1">
+            <a:off x="4301241" y="5798911"/>
+            <a:ext cx="3589518" cy="553998"/>
+          </a:xfrm>
+          <a:prstGeom prst="rect">
+            <a:avLst/>
+          </a:prstGeom>
+          <a:noFill/>
+        </p:spPr>
+        <p:txBody>
+          <a:bodyPr wrap="square" rtlCol="0">
+            <a:spAutoFit/>
+          </a:bodyPr>
+          <a:lstStyle/>
+          <a:p>
+            <a:pPr algn="ctr"/>
+            <a:r>
+              <a:rPr lang="zh-TW" altLang="en-US" sz="3000" dirty="0">
+                <a:latin typeface="微軟正黑體" panose="020B0604030504040204" pitchFamily="34" charset="-120"/>
+                <a:ea typeface="微軟正黑體" panose="020B0604030504040204" pitchFamily="34" charset="-120"/>
+              </a:rPr>
+              <a:t>條件搜尋</a:t>
+            </a:r>
+          </a:p>
+        </p:txBody>
+      </p:sp>
+      <p:pic>
+        <p:nvPicPr>
+          <p:cNvPr id="7" name="圖片 6">
+            <a:extLst>
+              <a:ext uri="{FF2B5EF4-FFF2-40B4-BE49-F238E27FC236}">
+                <a16:creationId xmlns:a16="http://schemas.microsoft.com/office/drawing/2014/main" id="{FDDC2624-8BEF-4EB8-8FE4-46AE511CA331}"/>
+              </a:ext>
+            </a:extLst>
+          </p:cNvPr>
+          <p:cNvPicPr>
+            <a:picLocks noChangeAspect="1"/>
+          </p:cNvPicPr>
+          <p:nvPr/>
+        </p:nvPicPr>
+        <p:blipFill>
+          <a:blip r:embed="rId2"/>
+          <a:stretch>
+            <a:fillRect/>
+          </a:stretch>
+        </p:blipFill>
+        <p:spPr>
+          <a:xfrm>
+            <a:off x="0" y="924295"/>
+            <a:ext cx="12192000" cy="4476750"/>
+          </a:xfrm>
+          <a:prstGeom prst="rect">
+            <a:avLst/>
+          </a:prstGeom>
+        </p:spPr>
+      </p:pic>
+    </p:spTree>
+    <p:extLst>
+      <p:ext uri="{BB962C8B-B14F-4D97-AF65-F5344CB8AC3E}">
+        <p14:creationId xmlns:p14="http://schemas.microsoft.com/office/powerpoint/2010/main" val="3446027115"/>
+      </p:ext>
+    </p:extLst>
+  </p:cSld>
+  <p:clrMapOvr>
+    <a:masterClrMapping/>
+  </p:clrMapOvr>
+</p:sld>
+</file>
+
+<file path=ppt/slides/slide11.xml><?xml version="1.0" encoding="utf-8"?>
 <p:sld xmlns:a="http://schemas.openxmlformats.org/drawingml/2006/main" xmlns:r="http://schemas.openxmlformats.org/officeDocument/2006/relationships" xmlns:p="http://schemas.openxmlformats.org/presentationml/2006/main">
   <p:cSld>
     <p:spTree>
@@ -3772,7 +3875,7 @@
 </p:sld>
 </file>
 
-<file path=ppt/slides/slide11.xml><?xml version="1.0" encoding="utf-8"?>
+<file path=ppt/slides/slide12.xml><?xml version="1.0" encoding="utf-8"?>
 <p:sld xmlns:a="http://schemas.openxmlformats.org/drawingml/2006/main" xmlns:r="http://schemas.openxmlformats.org/officeDocument/2006/relationships" xmlns:p="http://schemas.openxmlformats.org/presentationml/2006/main">
   <p:cSld>
     <p:spTree>
@@ -3841,7 +3944,7 @@
 </p:sld>
 </file>
 
-<file path=ppt/slides/slide12.xml><?xml version="1.0" encoding="utf-8"?>
+<file path=ppt/slides/slide13.xml><?xml version="1.0" encoding="utf-8"?>
 <p:sld xmlns:a="http://schemas.openxmlformats.org/drawingml/2006/main" xmlns:r="http://schemas.openxmlformats.org/officeDocument/2006/relationships" xmlns:p="http://schemas.openxmlformats.org/presentationml/2006/main">
   <p:cSld>
     <p:spTree>
@@ -5205,7 +5308,7 @@
 </p:sld>
 </file>
 
-<file path=ppt/slides/slide13.xml><?xml version="1.0" encoding="utf-8"?>
+<file path=ppt/slides/slide14.xml><?xml version="1.0" encoding="utf-8"?>
 <p:sld xmlns:a="http://schemas.openxmlformats.org/drawingml/2006/main" xmlns:r="http://schemas.openxmlformats.org/officeDocument/2006/relationships" xmlns:p="http://schemas.openxmlformats.org/presentationml/2006/main">
   <p:cSld>
     <p:spTree>
@@ -6648,7 +6751,7 @@
 </p:sld>
 </file>
 
-<file path=ppt/slides/slide14.xml><?xml version="1.0" encoding="utf-8"?>
+<file path=ppt/slides/slide15.xml><?xml version="1.0" encoding="utf-8"?>
 <p:sld xmlns:a="http://schemas.openxmlformats.org/drawingml/2006/main" xmlns:r="http://schemas.openxmlformats.org/officeDocument/2006/relationships" xmlns:p="http://schemas.openxmlformats.org/presentationml/2006/main">
   <p:cSld>
     <p:spTree>
@@ -6745,75 +6848,6 @@
 </p:sld>
 </file>
 
-<file path=ppt/slides/slide15.xml><?xml version="1.0" encoding="utf-8"?>
-<p:sld xmlns:a="http://schemas.openxmlformats.org/drawingml/2006/main" xmlns:r="http://schemas.openxmlformats.org/officeDocument/2006/relationships" xmlns:p="http://schemas.openxmlformats.org/presentationml/2006/main">
-  <p:cSld>
-    <p:spTree>
-      <p:nvGrpSpPr>
-        <p:cNvPr id="1" name=""/>
-        <p:cNvGrpSpPr/>
-        <p:nvPr/>
-      </p:nvGrpSpPr>
-      <p:grpSpPr>
-        <a:xfrm>
-          <a:off x="0" y="0"/>
-          <a:ext cx="0" cy="0"/>
-          <a:chOff x="0" y="0"/>
-          <a:chExt cx="0" cy="0"/>
-        </a:xfrm>
-      </p:grpSpPr>
-      <p:sp>
-        <p:nvSpPr>
-          <p:cNvPr id="13" name="文字方塊 12">
-            <a:extLst>
-              <a:ext uri="{FF2B5EF4-FFF2-40B4-BE49-F238E27FC236}">
-                <a16:creationId xmlns:a16="http://schemas.microsoft.com/office/drawing/2014/main" id="{6F016E10-694F-4072-B9D3-9508FE0570AE}"/>
-              </a:ext>
-            </a:extLst>
-          </p:cNvPr>
-          <p:cNvSpPr txBox="1"/>
-          <p:nvPr/>
-        </p:nvSpPr>
-        <p:spPr>
-          <a:xfrm flipH="1">
-            <a:off x="4069677" y="2875002"/>
-            <a:ext cx="4052646" cy="553998"/>
-          </a:xfrm>
-          <a:prstGeom prst="rect">
-            <a:avLst/>
-          </a:prstGeom>
-          <a:noFill/>
-        </p:spPr>
-        <p:txBody>
-          <a:bodyPr wrap="square" rtlCol="0">
-            <a:spAutoFit/>
-          </a:bodyPr>
-          <a:lstStyle/>
-          <a:p>
-            <a:pPr algn="ctr"/>
-            <a:r>
-              <a:rPr lang="en-US" altLang="zh-TW" sz="3000" dirty="0">
-                <a:latin typeface="微軟正黑體" panose="020B0604030504040204" pitchFamily="34" charset="-120"/>
-                <a:ea typeface="微軟正黑體" panose="020B0604030504040204" pitchFamily="34" charset="-120"/>
-              </a:rPr>
-              <a:t>Current Progress</a:t>
-            </a:r>
-          </a:p>
-        </p:txBody>
-      </p:sp>
-    </p:spTree>
-    <p:extLst>
-      <p:ext uri="{BB962C8B-B14F-4D97-AF65-F5344CB8AC3E}">
-        <p14:creationId xmlns:p14="http://schemas.microsoft.com/office/powerpoint/2010/main" val="648112145"/>
-      </p:ext>
-    </p:extLst>
-  </p:cSld>
-  <p:clrMapOvr>
-    <a:masterClrMapping/>
-  </p:clrMapOvr>
-</p:sld>
-</file>
-
 <file path=ppt/slides/slide16.xml><?xml version="1.0" encoding="utf-8"?>
 <p:sld xmlns:a="http://schemas.openxmlformats.org/drawingml/2006/main" xmlns:r="http://schemas.openxmlformats.org/officeDocument/2006/relationships" xmlns:p="http://schemas.openxmlformats.org/presentationml/2006/main">
   <p:cSld>
@@ -6861,6 +6895,75 @@
           <a:p>
             <a:pPr algn="ctr"/>
             <a:r>
+              <a:rPr lang="en-US" altLang="zh-TW" sz="3000" dirty="0">
+                <a:latin typeface="微軟正黑體" panose="020B0604030504040204" pitchFamily="34" charset="-120"/>
+                <a:ea typeface="微軟正黑體" panose="020B0604030504040204" pitchFamily="34" charset="-120"/>
+              </a:rPr>
+              <a:t>Current Progress</a:t>
+            </a:r>
+          </a:p>
+        </p:txBody>
+      </p:sp>
+    </p:spTree>
+    <p:extLst>
+      <p:ext uri="{BB962C8B-B14F-4D97-AF65-F5344CB8AC3E}">
+        <p14:creationId xmlns:p14="http://schemas.microsoft.com/office/powerpoint/2010/main" val="648112145"/>
+      </p:ext>
+    </p:extLst>
+  </p:cSld>
+  <p:clrMapOvr>
+    <a:masterClrMapping/>
+  </p:clrMapOvr>
+</p:sld>
+</file>
+
+<file path=ppt/slides/slide17.xml><?xml version="1.0" encoding="utf-8"?>
+<p:sld xmlns:a="http://schemas.openxmlformats.org/drawingml/2006/main" xmlns:r="http://schemas.openxmlformats.org/officeDocument/2006/relationships" xmlns:p="http://schemas.openxmlformats.org/presentationml/2006/main">
+  <p:cSld>
+    <p:spTree>
+      <p:nvGrpSpPr>
+        <p:cNvPr id="1" name=""/>
+        <p:cNvGrpSpPr/>
+        <p:nvPr/>
+      </p:nvGrpSpPr>
+      <p:grpSpPr>
+        <a:xfrm>
+          <a:off x="0" y="0"/>
+          <a:ext cx="0" cy="0"/>
+          <a:chOff x="0" y="0"/>
+          <a:chExt cx="0" cy="0"/>
+        </a:xfrm>
+      </p:grpSpPr>
+      <p:sp>
+        <p:nvSpPr>
+          <p:cNvPr id="13" name="文字方塊 12">
+            <a:extLst>
+              <a:ext uri="{FF2B5EF4-FFF2-40B4-BE49-F238E27FC236}">
+                <a16:creationId xmlns:a16="http://schemas.microsoft.com/office/drawing/2014/main" id="{6F016E10-694F-4072-B9D3-9508FE0570AE}"/>
+              </a:ext>
+            </a:extLst>
+          </p:cNvPr>
+          <p:cNvSpPr txBox="1"/>
+          <p:nvPr/>
+        </p:nvSpPr>
+        <p:spPr>
+          <a:xfrm flipH="1">
+            <a:off x="4069677" y="2875002"/>
+            <a:ext cx="4052646" cy="553998"/>
+          </a:xfrm>
+          <a:prstGeom prst="rect">
+            <a:avLst/>
+          </a:prstGeom>
+          <a:noFill/>
+        </p:spPr>
+        <p:txBody>
+          <a:bodyPr wrap="square" rtlCol="0">
+            <a:spAutoFit/>
+          </a:bodyPr>
+          <a:lstStyle/>
+          <a:p>
+            <a:pPr algn="ctr"/>
+            <a:r>
               <a:rPr lang="en-US" altLang="zh-TW" sz="3000">
                 <a:latin typeface="微軟正黑體" panose="020B0604030504040204" pitchFamily="34" charset="-120"/>
                 <a:ea typeface="微軟正黑體" panose="020B0604030504040204" pitchFamily="34" charset="-120"/>
@@ -6887,7 +6990,7 @@
 </p:sld>
 </file>
 
-<file path=ppt/slides/slide17.xml><?xml version="1.0" encoding="utf-8"?>
+<file path=ppt/slides/slide18.xml><?xml version="1.0" encoding="utf-8"?>
 <p:sld xmlns:a="http://schemas.openxmlformats.org/drawingml/2006/main" xmlns:r="http://schemas.openxmlformats.org/officeDocument/2006/relationships" xmlns:p="http://schemas.openxmlformats.org/presentationml/2006/main">
   <p:cSld>
     <p:spTree>
@@ -6996,6 +7099,173 @@
           <a:p>
             <a:r>
               <a:rPr lang="en-US" altLang="zh-TW" dirty="0"/>
+              <a:t>Trivago of </a:t>
+            </a:r>
+            <a:r>
+              <a:rPr lang="zh-TW" altLang="en-US" sz="3500" dirty="0">
+                <a:latin typeface="微軟正黑體" panose="020B0604030504040204" pitchFamily="34" charset="-120"/>
+                <a:ea typeface="微軟正黑體" panose="020B0604030504040204" pitchFamily="34" charset="-120"/>
+              </a:rPr>
+              <a:t>求職網站</a:t>
+            </a:r>
+          </a:p>
+        </p:txBody>
+      </p:sp>
+      <p:sp>
+        <p:nvSpPr>
+          <p:cNvPr id="3" name="內容版面配置區 2">
+            <a:extLst>
+              <a:ext uri="{FF2B5EF4-FFF2-40B4-BE49-F238E27FC236}">
+                <a16:creationId xmlns:a16="http://schemas.microsoft.com/office/drawing/2014/main" id="{BE98C9A3-1105-45DC-801E-5FE47AFBCDCB}"/>
+              </a:ext>
+            </a:extLst>
+          </p:cNvPr>
+          <p:cNvSpPr>
+            <a:spLocks noGrp="1"/>
+          </p:cNvSpPr>
+          <p:nvPr>
+            <p:ph idx="1"/>
+          </p:nvPr>
+        </p:nvSpPr>
+        <p:spPr/>
+        <p:txBody>
+          <a:bodyPr>
+            <a:normAutofit fontScale="92500" lnSpcReduction="10000"/>
+          </a:bodyPr>
+          <a:lstStyle/>
+          <a:p>
+            <a:pPr marL="0" indent="0">
+              <a:buNone/>
+            </a:pPr>
+            <a:r>
+              <a:rPr lang="zh-TW" altLang="en-US" dirty="0">
+                <a:latin typeface="微軟正黑體" panose="020B0604030504040204" pitchFamily="34" charset="-120"/>
+                <a:ea typeface="微軟正黑體" panose="020B0604030504040204" pitchFamily="34" charset="-120"/>
+              </a:rPr>
+              <a:t>在</a:t>
+            </a:r>
+            <a:r>
+              <a:rPr lang="en-US" altLang="zh-TW" dirty="0">
+                <a:latin typeface="微軟正黑體" panose="020B0604030504040204" pitchFamily="34" charset="-120"/>
+                <a:ea typeface="微軟正黑體" panose="020B0604030504040204" pitchFamily="34" charset="-120"/>
+              </a:rPr>
+              <a:t>COVID-19</a:t>
+            </a:r>
+            <a:r>
+              <a:rPr lang="zh-TW" altLang="en-US" dirty="0">
+                <a:latin typeface="微軟正黑體" panose="020B0604030504040204" pitchFamily="34" charset="-120"/>
+                <a:ea typeface="微軟正黑體" panose="020B0604030504040204" pitchFamily="34" charset="-120"/>
+              </a:rPr>
+              <a:t>肆虐的當下，全球陷入了失業潮。雖然這樣的情景還沒發生在台灣，可是我們難保有一天會自己碰到類似的情況。本來求職就是一個很令人頭痛的問題，職缺百百種，哪一個才是最適合自己的？ </a:t>
+            </a:r>
+          </a:p>
+          <a:p>
+            <a:pPr marL="0" indent="0">
+              <a:buNone/>
+            </a:pPr>
+            <a:r>
+              <a:rPr lang="zh-TW" altLang="en-US" dirty="0">
+                <a:latin typeface="微軟正黑體" panose="020B0604030504040204" pitchFamily="34" charset="-120"/>
+                <a:ea typeface="微軟正黑體" panose="020B0604030504040204" pitchFamily="34" charset="-120"/>
+              </a:rPr>
+              <a:t>求職網站所包含的職缺佔了大部分的實際職缺，但因為求職網站百家爭鳴，求職者在尋找適合自己的職缺時，需要同時上不同網站搜尋，得同時適應不同網站的介面。 </a:t>
+            </a:r>
+          </a:p>
+          <a:p>
+            <a:pPr marL="0" indent="0">
+              <a:buNone/>
+            </a:pPr>
+            <a:r>
+              <a:rPr lang="zh-TW" altLang="en-US" dirty="0">
+                <a:latin typeface="微軟正黑體" panose="020B0604030504040204" pitchFamily="34" charset="-120"/>
+                <a:ea typeface="微軟正黑體" panose="020B0604030504040204" pitchFamily="34" charset="-120"/>
+              </a:rPr>
+              <a:t>我們想到有些好用的工具，例如購物比價網站、旅遊比價網站，他們整合了不同網站的資料，讓消費者不用自己貨比三家也能得到最優惠的價格。於是我們認為或許在職缺這方面也能以統合介面方式，提供給使用者方便的體驗。除此之外，我們的查詢方式還會提供一些有趣的分析方式，例如，輸入求職者的需求</a:t>
+            </a:r>
+            <a:r>
+              <a:rPr lang="en-US" altLang="zh-TW" dirty="0">
+                <a:latin typeface="微軟正黑體" panose="020B0604030504040204" pitchFamily="34" charset="-120"/>
+                <a:ea typeface="微軟正黑體" panose="020B0604030504040204" pitchFamily="34" charset="-120"/>
+              </a:rPr>
+              <a:t>(</a:t>
+            </a:r>
+            <a:r>
+              <a:rPr lang="zh-TW" altLang="en-US" dirty="0">
+                <a:latin typeface="微軟正黑體" panose="020B0604030504040204" pitchFamily="34" charset="-120"/>
+                <a:ea typeface="微軟正黑體" panose="020B0604030504040204" pitchFamily="34" charset="-120"/>
+              </a:rPr>
+              <a:t>條件與希望工作地點</a:t>
+            </a:r>
+            <a:r>
+              <a:rPr lang="en-US" altLang="zh-TW" dirty="0">
+                <a:latin typeface="微軟正黑體" panose="020B0604030504040204" pitchFamily="34" charset="-120"/>
+                <a:ea typeface="微軟正黑體" panose="020B0604030504040204" pitchFamily="34" charset="-120"/>
+              </a:rPr>
+              <a:t>)</a:t>
+            </a:r>
+            <a:r>
+              <a:rPr lang="zh-TW" altLang="en-US" dirty="0">
+                <a:latin typeface="微軟正黑體" panose="020B0604030504040204" pitchFamily="34" charset="-120"/>
+                <a:ea typeface="微軟正黑體" panose="020B0604030504040204" pitchFamily="34" charset="-120"/>
+              </a:rPr>
+              <a:t>，得出平均薪資或工時落在哪個區間的多向查詢系統。 </a:t>
+            </a:r>
+          </a:p>
+        </p:txBody>
+      </p:sp>
+    </p:spTree>
+    <p:extLst>
+      <p:ext uri="{BB962C8B-B14F-4D97-AF65-F5344CB8AC3E}">
+        <p14:creationId xmlns:p14="http://schemas.microsoft.com/office/powerpoint/2010/main" val="1598815370"/>
+      </p:ext>
+    </p:extLst>
+  </p:cSld>
+  <p:clrMapOvr>
+    <a:masterClrMapping/>
+  </p:clrMapOvr>
+</p:sld>
+</file>
+
+<file path=ppt/slides/slide3.xml><?xml version="1.0" encoding="utf-8"?>
+<p:sld xmlns:a="http://schemas.openxmlformats.org/drawingml/2006/main" xmlns:r="http://schemas.openxmlformats.org/officeDocument/2006/relationships" xmlns:p="http://schemas.openxmlformats.org/presentationml/2006/main">
+  <p:cSld>
+    <p:spTree>
+      <p:nvGrpSpPr>
+        <p:cNvPr id="1" name=""/>
+        <p:cNvGrpSpPr/>
+        <p:nvPr/>
+      </p:nvGrpSpPr>
+      <p:grpSpPr>
+        <a:xfrm>
+          <a:off x="0" y="0"/>
+          <a:ext cx="0" cy="0"/>
+          <a:chOff x="0" y="0"/>
+          <a:chExt cx="0" cy="0"/>
+        </a:xfrm>
+      </p:grpSpPr>
+      <p:sp>
+        <p:nvSpPr>
+          <p:cNvPr id="2" name="標題 1">
+            <a:extLst>
+              <a:ext uri="{FF2B5EF4-FFF2-40B4-BE49-F238E27FC236}">
+                <a16:creationId xmlns:a16="http://schemas.microsoft.com/office/drawing/2014/main" id="{F03B52BC-92A5-45E7-B912-F072B5683D8A}"/>
+              </a:ext>
+            </a:extLst>
+          </p:cNvPr>
+          <p:cNvSpPr>
+            <a:spLocks noGrp="1"/>
+          </p:cNvSpPr>
+          <p:nvPr>
+            <p:ph type="title"/>
+          </p:nvPr>
+        </p:nvSpPr>
+        <p:spPr/>
+        <p:txBody>
+          <a:bodyPr/>
+          <a:lstStyle/>
+          <a:p>
+            <a:r>
+              <a:rPr lang="en-US" altLang="zh-TW" dirty="0"/>
               <a:t>Introduction</a:t>
             </a:r>
             <a:endParaRPr lang="zh-TW" altLang="en-US" dirty="0"/>
@@ -7049,7 +7319,7 @@
 </p:sld>
 </file>
 
-<file path=ppt/slides/slide3.xml><?xml version="1.0" encoding="utf-8"?>
+<file path=ppt/slides/slide4.xml><?xml version="1.0" encoding="utf-8"?>
 <p:sld xmlns:a="http://schemas.openxmlformats.org/drawingml/2006/main" xmlns:r="http://schemas.openxmlformats.org/officeDocument/2006/relationships" xmlns:p="http://schemas.openxmlformats.org/presentationml/2006/main">
   <p:cSld>
     <p:spTree>
@@ -7261,157 +7531,6 @@
 </p:sld>
 </file>
 
-<file path=ppt/slides/slide4.xml><?xml version="1.0" encoding="utf-8"?>
-<p:sld xmlns:a="http://schemas.openxmlformats.org/drawingml/2006/main" xmlns:r="http://schemas.openxmlformats.org/officeDocument/2006/relationships" xmlns:p="http://schemas.openxmlformats.org/presentationml/2006/main">
-  <p:cSld>
-    <p:spTree>
-      <p:nvGrpSpPr>
-        <p:cNvPr id="1" name=""/>
-        <p:cNvGrpSpPr/>
-        <p:nvPr/>
-      </p:nvGrpSpPr>
-      <p:grpSpPr>
-        <a:xfrm>
-          <a:off x="0" y="0"/>
-          <a:ext cx="0" cy="0"/>
-          <a:chOff x="0" y="0"/>
-          <a:chExt cx="0" cy="0"/>
-        </a:xfrm>
-      </p:grpSpPr>
-      <p:sp>
-        <p:nvSpPr>
-          <p:cNvPr id="2" name="標題 1">
-            <a:extLst>
-              <a:ext uri="{FF2B5EF4-FFF2-40B4-BE49-F238E27FC236}">
-                <a16:creationId xmlns:a16="http://schemas.microsoft.com/office/drawing/2014/main" id="{F03B52BC-92A5-45E7-B912-F072B5683D8A}"/>
-              </a:ext>
-            </a:extLst>
-          </p:cNvPr>
-          <p:cNvSpPr>
-            <a:spLocks noGrp="1"/>
-          </p:cNvSpPr>
-          <p:nvPr>
-            <p:ph type="title"/>
-          </p:nvPr>
-        </p:nvSpPr>
-        <p:spPr/>
-        <p:txBody>
-          <a:bodyPr/>
-          <a:lstStyle/>
-          <a:p>
-            <a:r>
-              <a:rPr lang="en-US" altLang="zh-TW" dirty="0"/>
-              <a:t>Where was the data from</a:t>
-            </a:r>
-          </a:p>
-        </p:txBody>
-      </p:sp>
-      <p:sp>
-        <p:nvSpPr>
-          <p:cNvPr id="3" name="內容版面配置區 2">
-            <a:extLst>
-              <a:ext uri="{FF2B5EF4-FFF2-40B4-BE49-F238E27FC236}">
-                <a16:creationId xmlns:a16="http://schemas.microsoft.com/office/drawing/2014/main" id="{BE98C9A3-1105-45DC-801E-5FE47AFBCDCB}"/>
-              </a:ext>
-            </a:extLst>
-          </p:cNvPr>
-          <p:cNvSpPr>
-            <a:spLocks noGrp="1"/>
-          </p:cNvSpPr>
-          <p:nvPr>
-            <p:ph idx="1"/>
-          </p:nvPr>
-        </p:nvSpPr>
-        <p:spPr>
-          <a:xfrm>
-            <a:off x="838199" y="1825625"/>
-            <a:ext cx="10809303" cy="4351338"/>
-          </a:xfrm>
-        </p:spPr>
-        <p:txBody>
-          <a:bodyPr/>
-          <a:lstStyle/>
-          <a:p>
-            <a:pPr marL="0" indent="0">
-              <a:buNone/>
-            </a:pPr>
-            <a:r>
-              <a:rPr lang="zh-TW" altLang="en-US" dirty="0">
-                <a:latin typeface="微軟正黑體" panose="020B0604030504040204" pitchFamily="34" charset="-120"/>
-                <a:ea typeface="微軟正黑體" panose="020B0604030504040204" pitchFamily="34" charset="-120"/>
-              </a:rPr>
-              <a:t>我們將會為每個網站設計爬蟲程式將資料爬下來後整理成為資料庫，</a:t>
-            </a:r>
-          </a:p>
-          <a:p>
-            <a:pPr marL="0" indent="0">
-              <a:buNone/>
-            </a:pPr>
-            <a:r>
-              <a:rPr lang="zh-TW" altLang="en-US" dirty="0">
-                <a:latin typeface="微軟正黑體" panose="020B0604030504040204" pitchFamily="34" charset="-120"/>
-                <a:ea typeface="微軟正黑體" panose="020B0604030504040204" pitchFamily="34" charset="-120"/>
-              </a:rPr>
-              <a:t>因為各網站上的資料說明可能會不太一樣</a:t>
-            </a:r>
-            <a:r>
-              <a:rPr lang="en-US" altLang="zh-TW" dirty="0">
-                <a:latin typeface="微軟正黑體" panose="020B0604030504040204" pitchFamily="34" charset="-120"/>
-                <a:ea typeface="微軟正黑體" panose="020B0604030504040204" pitchFamily="34" charset="-120"/>
-              </a:rPr>
-              <a:t>(</a:t>
-            </a:r>
-            <a:r>
-              <a:rPr lang="zh-TW" altLang="en-US" dirty="0">
-                <a:latin typeface="微軟正黑體" panose="020B0604030504040204" pitchFamily="34" charset="-120"/>
-                <a:ea typeface="微軟正黑體" panose="020B0604030504040204" pitchFamily="34" charset="-120"/>
-              </a:rPr>
-              <a:t>會計</a:t>
-            </a:r>
-            <a:r>
-              <a:rPr lang="en-US" altLang="zh-TW" dirty="0">
-                <a:latin typeface="微軟正黑體" panose="020B0604030504040204" pitchFamily="34" charset="-120"/>
-                <a:ea typeface="微軟正黑體" panose="020B0604030504040204" pitchFamily="34" charset="-120"/>
-              </a:rPr>
-              <a:t>/</a:t>
-            </a:r>
-            <a:r>
-              <a:rPr lang="zh-TW" altLang="en-US" dirty="0">
-                <a:latin typeface="微軟正黑體" panose="020B0604030504040204" pitchFamily="34" charset="-120"/>
-                <a:ea typeface="微軟正黑體" panose="020B0604030504040204" pitchFamily="34" charset="-120"/>
-              </a:rPr>
-              <a:t>會計師</a:t>
-            </a:r>
-            <a:r>
-              <a:rPr lang="en-US" altLang="zh-TW" dirty="0">
-                <a:latin typeface="微軟正黑體" panose="020B0604030504040204" pitchFamily="34" charset="-120"/>
-                <a:ea typeface="微軟正黑體" panose="020B0604030504040204" pitchFamily="34" charset="-120"/>
-              </a:rPr>
-              <a:t>)</a:t>
-            </a:r>
-            <a:r>
-              <a:rPr lang="zh-TW" altLang="en-US" dirty="0">
-                <a:latin typeface="微軟正黑體" panose="020B0604030504040204" pitchFamily="34" charset="-120"/>
-                <a:ea typeface="微軟正黑體" panose="020B0604030504040204" pitchFamily="34" charset="-120"/>
-              </a:rPr>
-              <a:t>，所以能需要對每個網站做交叉比對，確保同樣的資料不會有不一樣的描述。</a:t>
-            </a:r>
-          </a:p>
-        </p:txBody>
-      </p:sp>
-    </p:spTree>
-    <p:extLst>
-      <p:ext uri="{BB962C8B-B14F-4D97-AF65-F5344CB8AC3E}">
-        <p14:creationId xmlns:p14="http://schemas.microsoft.com/office/powerpoint/2010/main" val="1336192900"/>
-      </p:ext>
-    </p:extLst>
-  </p:cSld>
-  <p:clrMapOvr>
-    <a:masterClrMapping/>
-  </p:clrMapOvr>
-</p:sld>
-</file>
-
 <file path=ppt/slides/slide5.xml><?xml version="1.0" encoding="utf-8"?>
 <p:sld xmlns:a="http://schemas.openxmlformats.org/drawingml/2006/main" xmlns:r="http://schemas.openxmlformats.org/officeDocument/2006/relationships" xmlns:p="http://schemas.openxmlformats.org/presentationml/2006/main">
   <p:cSld>
@@ -7452,7 +7571,7 @@
           <a:p>
             <a:r>
               <a:rPr lang="en-US" altLang="zh-TW" dirty="0"/>
-              <a:t>The source of the data</a:t>
+              <a:t>Where was the data from</a:t>
             </a:r>
           </a:p>
         </p:txBody>
@@ -7473,7 +7592,12 @@
             <p:ph idx="1"/>
           </p:nvPr>
         </p:nvSpPr>
-        <p:spPr/>
+        <p:spPr>
+          <a:xfrm>
+            <a:off x="838199" y="1825625"/>
+            <a:ext cx="10809303" cy="4351338"/>
+          </a:xfrm>
+        </p:spPr>
         <p:txBody>
           <a:bodyPr/>
           <a:lstStyle/>
@@ -7486,63 +7610,61 @@
                 <a:latin typeface="微軟正黑體" panose="020B0604030504040204" pitchFamily="34" charset="-120"/>
                 <a:ea typeface="微軟正黑體" panose="020B0604030504040204" pitchFamily="34" charset="-120"/>
               </a:rPr>
-              <a:t>各求職網站：</a:t>
+              <a:t>我們將會為每個網站設計爬蟲程式將資料爬下來後整理成為資料庫，</a:t>
+            </a:r>
+          </a:p>
+          <a:p>
+            <a:pPr marL="0" indent="0">
+              <a:buNone/>
+            </a:pPr>
+            <a:r>
+              <a:rPr lang="zh-TW" altLang="en-US" dirty="0">
+                <a:latin typeface="微軟正黑體" panose="020B0604030504040204" pitchFamily="34" charset="-120"/>
+                <a:ea typeface="微軟正黑體" panose="020B0604030504040204" pitchFamily="34" charset="-120"/>
+              </a:rPr>
+              <a:t>因為各網站上的資料說明可能會不太一樣</a:t>
             </a:r>
             <a:r>
               <a:rPr lang="en-US" altLang="zh-TW" dirty="0">
                 <a:latin typeface="微軟正黑體" panose="020B0604030504040204" pitchFamily="34" charset="-120"/>
                 <a:ea typeface="微軟正黑體" panose="020B0604030504040204" pitchFamily="34" charset="-120"/>
               </a:rPr>
-              <a:t>1111</a:t>
+              <a:t>(</a:t>
             </a:r>
             <a:r>
               <a:rPr lang="zh-TW" altLang="en-US" dirty="0">
                 <a:latin typeface="微軟正黑體" panose="020B0604030504040204" pitchFamily="34" charset="-120"/>
                 <a:ea typeface="微軟正黑體" panose="020B0604030504040204" pitchFamily="34" charset="-120"/>
               </a:rPr>
-              <a:t>人力銀行、</a:t>
+              <a:t>會計</a:t>
             </a:r>
             <a:r>
               <a:rPr lang="en-US" altLang="zh-TW" dirty="0">
                 <a:latin typeface="微軟正黑體" panose="020B0604030504040204" pitchFamily="34" charset="-120"/>
                 <a:ea typeface="微軟正黑體" panose="020B0604030504040204" pitchFamily="34" charset="-120"/>
               </a:rPr>
-              <a:t>yes123</a:t>
+              <a:t>/</a:t>
             </a:r>
             <a:r>
               <a:rPr lang="zh-TW" altLang="en-US" dirty="0">
                 <a:latin typeface="微軟正黑體" panose="020B0604030504040204" pitchFamily="34" charset="-120"/>
                 <a:ea typeface="微軟正黑體" panose="020B0604030504040204" pitchFamily="34" charset="-120"/>
               </a:rPr>
-              <a:t>求職網、</a:t>
+              <a:t>會計師</a:t>
             </a:r>
             <a:r>
               <a:rPr lang="en-US" altLang="zh-TW" dirty="0">
                 <a:latin typeface="微軟正黑體" panose="020B0604030504040204" pitchFamily="34" charset="-120"/>
                 <a:ea typeface="微軟正黑體" panose="020B0604030504040204" pitchFamily="34" charset="-120"/>
               </a:rPr>
-              <a:t>104</a:t>
+              <a:t>)</a:t>
             </a:r>
             <a:r>
               <a:rPr lang="zh-TW" altLang="en-US" dirty="0">
                 <a:latin typeface="微軟正黑體" panose="020B0604030504040204" pitchFamily="34" charset="-120"/>
                 <a:ea typeface="微軟正黑體" panose="020B0604030504040204" pitchFamily="34" charset="-120"/>
               </a:rPr>
-              <a:t>人力銀行、</a:t>
-            </a:r>
-            <a:r>
-              <a:rPr lang="en-US" altLang="zh-TW" dirty="0">
-                <a:latin typeface="微軟正黑體" panose="020B0604030504040204" pitchFamily="34" charset="-120"/>
-                <a:ea typeface="微軟正黑體" panose="020B0604030504040204" pitchFamily="34" charset="-120"/>
-              </a:rPr>
-              <a:t>518</a:t>
-            </a:r>
-            <a:r>
-              <a:rPr lang="zh-TW" altLang="en-US" dirty="0">
-                <a:latin typeface="微軟正黑體" panose="020B0604030504040204" pitchFamily="34" charset="-120"/>
-                <a:ea typeface="微軟正黑體" panose="020B0604030504040204" pitchFamily="34" charset="-120"/>
-              </a:rPr>
-              <a:t>人力銀行</a:t>
+              <a:t>，所以能需要對每個網站做交叉比對，確保同樣的資料不會有不一樣的描述。</a:t>
             </a:r>
           </a:p>
         </p:txBody>
@@ -7550,7 +7672,7 @@
     </p:spTree>
     <p:extLst>
       <p:ext uri="{BB962C8B-B14F-4D97-AF65-F5344CB8AC3E}">
-        <p14:creationId xmlns:p14="http://schemas.microsoft.com/office/powerpoint/2010/main" val="872814375"/>
+        <p14:creationId xmlns:p14="http://schemas.microsoft.com/office/powerpoint/2010/main" val="1336192900"/>
       </p:ext>
     </p:extLst>
   </p:cSld>
@@ -7600,7 +7722,7 @@
           <a:p>
             <a:r>
               <a:rPr lang="en-US" altLang="zh-TW" dirty="0"/>
-              <a:t>Update Automatically</a:t>
+              <a:t>The source of the data</a:t>
             </a:r>
           </a:p>
         </p:txBody>
@@ -7634,24 +7756,71 @@
                 <a:latin typeface="微軟正黑體" panose="020B0604030504040204" pitchFamily="34" charset="-120"/>
                 <a:ea typeface="微軟正黑體" panose="020B0604030504040204" pitchFamily="34" charset="-120"/>
               </a:rPr>
-              <a:t>因為是使用爬蟲來建立資料庫，所以資料的更新可以半自動化。只要在後台或是使用者介面上加上一個更新選項，更新資料庫將不是難事。</a:t>
-            </a:r>
-          </a:p>
-          <a:p>
-            <a:pPr marL="0" indent="0">
-              <a:buNone/>
-            </a:pPr>
-            <a:endParaRPr lang="zh-TW" altLang="en-US" dirty="0">
-              <a:latin typeface="微軟正黑體" panose="020B0604030504040204" pitchFamily="34" charset="-120"/>
-              <a:ea typeface="微軟正黑體" panose="020B0604030504040204" pitchFamily="34" charset="-120"/>
-            </a:endParaRPr>
+              <a:t>各求職網站：</a:t>
+            </a:r>
+            <a:r>
+              <a:rPr lang="en-US" altLang="zh-TW" dirty="0">
+                <a:latin typeface="微軟正黑體" panose="020B0604030504040204" pitchFamily="34" charset="-120"/>
+                <a:ea typeface="微軟正黑體" panose="020B0604030504040204" pitchFamily="34" charset="-120"/>
+              </a:rPr>
+              <a:t>1111</a:t>
+            </a:r>
+            <a:r>
+              <a:rPr lang="zh-TW" altLang="en-US" dirty="0">
+                <a:latin typeface="微軟正黑體" panose="020B0604030504040204" pitchFamily="34" charset="-120"/>
+                <a:ea typeface="微軟正黑體" panose="020B0604030504040204" pitchFamily="34" charset="-120"/>
+              </a:rPr>
+              <a:t>人力銀行、</a:t>
+            </a:r>
+            <a:r>
+              <a:rPr lang="en-US" altLang="zh-TW" dirty="0">
+                <a:latin typeface="微軟正黑體" panose="020B0604030504040204" pitchFamily="34" charset="-120"/>
+                <a:ea typeface="微軟正黑體" panose="020B0604030504040204" pitchFamily="34" charset="-120"/>
+              </a:rPr>
+              <a:t>yes123</a:t>
+            </a:r>
+            <a:r>
+              <a:rPr lang="zh-TW" altLang="en-US" dirty="0">
+                <a:latin typeface="微軟正黑體" panose="020B0604030504040204" pitchFamily="34" charset="-120"/>
+                <a:ea typeface="微軟正黑體" panose="020B0604030504040204" pitchFamily="34" charset="-120"/>
+              </a:rPr>
+              <a:t>求職網、</a:t>
+            </a:r>
+            <a:r>
+              <a:rPr lang="en-US" altLang="zh-TW" dirty="0">
+                <a:latin typeface="微軟正黑體" panose="020B0604030504040204" pitchFamily="34" charset="-120"/>
+                <a:ea typeface="微軟正黑體" panose="020B0604030504040204" pitchFamily="34" charset="-120"/>
+              </a:rPr>
+              <a:t>104</a:t>
+            </a:r>
+            <a:r>
+              <a:rPr lang="zh-TW" altLang="en-US" dirty="0">
+                <a:latin typeface="微軟正黑體" panose="020B0604030504040204" pitchFamily="34" charset="-120"/>
+                <a:ea typeface="微軟正黑體" panose="020B0604030504040204" pitchFamily="34" charset="-120"/>
+              </a:rPr>
+              <a:t>人力銀行、</a:t>
+            </a:r>
+            <a:r>
+              <a:rPr lang="en-US" altLang="zh-TW" dirty="0">
+                <a:latin typeface="微軟正黑體" panose="020B0604030504040204" pitchFamily="34" charset="-120"/>
+                <a:ea typeface="微軟正黑體" panose="020B0604030504040204" pitchFamily="34" charset="-120"/>
+              </a:rPr>
+              <a:t>518</a:t>
+            </a:r>
+            <a:r>
+              <a:rPr lang="zh-TW" altLang="en-US" dirty="0">
+                <a:latin typeface="微軟正黑體" panose="020B0604030504040204" pitchFamily="34" charset="-120"/>
+                <a:ea typeface="微軟正黑體" panose="020B0604030504040204" pitchFamily="34" charset="-120"/>
+              </a:rPr>
+              <a:t>人力銀行</a:t>
+            </a:r>
           </a:p>
         </p:txBody>
       </p:sp>
     </p:spTree>
     <p:extLst>
       <p:ext uri="{BB962C8B-B14F-4D97-AF65-F5344CB8AC3E}">
-        <p14:creationId xmlns:p14="http://schemas.microsoft.com/office/powerpoint/2010/main" val="2600295876"/>
+        <p14:creationId xmlns:p14="http://schemas.microsoft.com/office/powerpoint/2010/main" val="872814375"/>
       </p:ext>
     </p:extLst>
   </p:cSld>
@@ -7701,6 +7870,107 @@
           <a:p>
             <a:r>
               <a:rPr lang="en-US" altLang="zh-TW" dirty="0"/>
+              <a:t>Update Automatically</a:t>
+            </a:r>
+          </a:p>
+        </p:txBody>
+      </p:sp>
+      <p:sp>
+        <p:nvSpPr>
+          <p:cNvPr id="3" name="內容版面配置區 2">
+            <a:extLst>
+              <a:ext uri="{FF2B5EF4-FFF2-40B4-BE49-F238E27FC236}">
+                <a16:creationId xmlns:a16="http://schemas.microsoft.com/office/drawing/2014/main" id="{BE98C9A3-1105-45DC-801E-5FE47AFBCDCB}"/>
+              </a:ext>
+            </a:extLst>
+          </p:cNvPr>
+          <p:cNvSpPr>
+            <a:spLocks noGrp="1"/>
+          </p:cNvSpPr>
+          <p:nvPr>
+            <p:ph idx="1"/>
+          </p:nvPr>
+        </p:nvSpPr>
+        <p:spPr/>
+        <p:txBody>
+          <a:bodyPr/>
+          <a:lstStyle/>
+          <a:p>
+            <a:pPr marL="0" indent="0">
+              <a:buNone/>
+            </a:pPr>
+            <a:r>
+              <a:rPr lang="zh-TW" altLang="en-US" dirty="0">
+                <a:latin typeface="微軟正黑體" panose="020B0604030504040204" pitchFamily="34" charset="-120"/>
+                <a:ea typeface="微軟正黑體" panose="020B0604030504040204" pitchFamily="34" charset="-120"/>
+              </a:rPr>
+              <a:t>因為是使用爬蟲來建立資料庫，所以資料的更新可以半自動化。只要在後台或是使用者介面上加上一個更新選項，更新資料庫將不是難事。</a:t>
+            </a:r>
+          </a:p>
+          <a:p>
+            <a:pPr marL="0" indent="0">
+              <a:buNone/>
+            </a:pPr>
+            <a:endParaRPr lang="zh-TW" altLang="en-US" dirty="0">
+              <a:latin typeface="微軟正黑體" panose="020B0604030504040204" pitchFamily="34" charset="-120"/>
+              <a:ea typeface="微軟正黑體" panose="020B0604030504040204" pitchFamily="34" charset="-120"/>
+            </a:endParaRPr>
+          </a:p>
+        </p:txBody>
+      </p:sp>
+    </p:spTree>
+    <p:extLst>
+      <p:ext uri="{BB962C8B-B14F-4D97-AF65-F5344CB8AC3E}">
+        <p14:creationId xmlns:p14="http://schemas.microsoft.com/office/powerpoint/2010/main" val="2600295876"/>
+      </p:ext>
+    </p:extLst>
+  </p:cSld>
+  <p:clrMapOvr>
+    <a:masterClrMapping/>
+  </p:clrMapOvr>
+</p:sld>
+</file>
+
+<file path=ppt/slides/slide8.xml><?xml version="1.0" encoding="utf-8"?>
+<p:sld xmlns:a="http://schemas.openxmlformats.org/drawingml/2006/main" xmlns:r="http://schemas.openxmlformats.org/officeDocument/2006/relationships" xmlns:p="http://schemas.openxmlformats.org/presentationml/2006/main">
+  <p:cSld>
+    <p:spTree>
+      <p:nvGrpSpPr>
+        <p:cNvPr id="1" name=""/>
+        <p:cNvGrpSpPr/>
+        <p:nvPr/>
+      </p:nvGrpSpPr>
+      <p:grpSpPr>
+        <a:xfrm>
+          <a:off x="0" y="0"/>
+          <a:ext cx="0" cy="0"/>
+          <a:chOff x="0" y="0"/>
+          <a:chExt cx="0" cy="0"/>
+        </a:xfrm>
+      </p:grpSpPr>
+      <p:sp>
+        <p:nvSpPr>
+          <p:cNvPr id="2" name="標題 1">
+            <a:extLst>
+              <a:ext uri="{FF2B5EF4-FFF2-40B4-BE49-F238E27FC236}">
+                <a16:creationId xmlns:a16="http://schemas.microsoft.com/office/drawing/2014/main" id="{F03B52BC-92A5-45E7-B912-F072B5683D8A}"/>
+              </a:ext>
+            </a:extLst>
+          </p:cNvPr>
+          <p:cNvSpPr>
+            <a:spLocks noGrp="1"/>
+          </p:cNvSpPr>
+          <p:nvPr>
+            <p:ph type="title"/>
+          </p:nvPr>
+        </p:nvSpPr>
+        <p:spPr/>
+        <p:txBody>
+          <a:bodyPr/>
+          <a:lstStyle/>
+          <a:p>
+            <a:r>
+              <a:rPr lang="en-US" altLang="zh-TW" dirty="0"/>
               <a:t>What we expect to do</a:t>
             </a:r>
           </a:p>
@@ -7778,7 +8048,7 @@
 </p:sld>
 </file>
 
-<file path=ppt/slides/slide8.xml><?xml version="1.0" encoding="utf-8"?>
+<file path=ppt/slides/slide9.xml><?xml version="1.0" encoding="utf-8"?>
 <p:sld xmlns:a="http://schemas.openxmlformats.org/drawingml/2006/main" xmlns:r="http://schemas.openxmlformats.org/officeDocument/2006/relationships" xmlns:p="http://schemas.openxmlformats.org/presentationml/2006/main">
   <p:cSld>
     <p:spTree>
@@ -8024,105 +8294,6 @@
     <p:extLst>
       <p:ext uri="{BB962C8B-B14F-4D97-AF65-F5344CB8AC3E}">
         <p14:creationId xmlns:p14="http://schemas.microsoft.com/office/powerpoint/2010/main" val="1657790338"/>
-      </p:ext>
-    </p:extLst>
-  </p:cSld>
-  <p:clrMapOvr>
-    <a:masterClrMapping/>
-  </p:clrMapOvr>
-</p:sld>
-</file>
-
-<file path=ppt/slides/slide9.xml><?xml version="1.0" encoding="utf-8"?>
-<p:sld xmlns:a="http://schemas.openxmlformats.org/drawingml/2006/main" xmlns:r="http://schemas.openxmlformats.org/officeDocument/2006/relationships" xmlns:p="http://schemas.openxmlformats.org/presentationml/2006/main">
-  <p:cSld>
-    <p:spTree>
-      <p:nvGrpSpPr>
-        <p:cNvPr id="1" name=""/>
-        <p:cNvGrpSpPr/>
-        <p:nvPr/>
-      </p:nvGrpSpPr>
-      <p:grpSpPr>
-        <a:xfrm>
-          <a:off x="0" y="0"/>
-          <a:ext cx="0" cy="0"/>
-          <a:chOff x="0" y="0"/>
-          <a:chExt cx="0" cy="0"/>
-        </a:xfrm>
-      </p:grpSpPr>
-      <p:sp>
-        <p:nvSpPr>
-          <p:cNvPr id="12" name="文字方塊 11">
-            <a:extLst>
-              <a:ext uri="{FF2B5EF4-FFF2-40B4-BE49-F238E27FC236}">
-                <a16:creationId xmlns:a16="http://schemas.microsoft.com/office/drawing/2014/main" id="{B2B5ABB0-4AAA-4B34-B606-E845E5997ADD}"/>
-              </a:ext>
-            </a:extLst>
-          </p:cNvPr>
-          <p:cNvSpPr txBox="1"/>
-          <p:nvPr/>
-        </p:nvSpPr>
-        <p:spPr>
-          <a:xfrm flipH="1">
-            <a:off x="4301241" y="5798911"/>
-            <a:ext cx="3589518" cy="553998"/>
-          </a:xfrm>
-          <a:prstGeom prst="rect">
-            <a:avLst/>
-          </a:prstGeom>
-          <a:noFill/>
-        </p:spPr>
-        <p:txBody>
-          <a:bodyPr wrap="square" rtlCol="0">
-            <a:spAutoFit/>
-          </a:bodyPr>
-          <a:lstStyle/>
-          <a:p>
-            <a:pPr algn="ctr"/>
-            <a:r>
-              <a:rPr lang="zh-TW" altLang="en-US" sz="3000" dirty="0">
-                <a:latin typeface="微軟正黑體" panose="020B0604030504040204" pitchFamily="34" charset="-120"/>
-                <a:ea typeface="微軟正黑體" panose="020B0604030504040204" pitchFamily="34" charset="-120"/>
-              </a:rPr>
-              <a:t>條件搜尋</a:t>
-            </a:r>
-          </a:p>
-        </p:txBody>
-      </p:sp>
-      <p:pic>
-        <p:nvPicPr>
-          <p:cNvPr id="7" name="圖片 6">
-            <a:extLst>
-              <a:ext uri="{FF2B5EF4-FFF2-40B4-BE49-F238E27FC236}">
-                <a16:creationId xmlns:a16="http://schemas.microsoft.com/office/drawing/2014/main" id="{FDDC2624-8BEF-4EB8-8FE4-46AE511CA331}"/>
-              </a:ext>
-            </a:extLst>
-          </p:cNvPr>
-          <p:cNvPicPr>
-            <a:picLocks noChangeAspect="1"/>
-          </p:cNvPicPr>
-          <p:nvPr/>
-        </p:nvPicPr>
-        <p:blipFill>
-          <a:blip r:embed="rId2"/>
-          <a:stretch>
-            <a:fillRect/>
-          </a:stretch>
-        </p:blipFill>
-        <p:spPr>
-          <a:xfrm>
-            <a:off x="0" y="924295"/>
-            <a:ext cx="12192000" cy="4476750"/>
-          </a:xfrm>
-          <a:prstGeom prst="rect">
-            <a:avLst/>
-          </a:prstGeom>
-        </p:spPr>
-      </p:pic>
-    </p:spTree>
-    <p:extLst>
-      <p:ext uri="{BB962C8B-B14F-4D97-AF65-F5344CB8AC3E}">
-        <p14:creationId xmlns:p14="http://schemas.microsoft.com/office/powerpoint/2010/main" val="3446027115"/>
       </p:ext>
     </p:extLst>
   </p:cSld>
